--- a/progetto Tu sì che mi capisci (1).pptx
+++ b/progetto Tu sì che mi capisci (1).pptx
@@ -250,7 +250,7 @@
             <a:fld id="{F2863134-B124-47F9-A1F1-3A08879C58C1}" type="datetime1">
               <a:rPr lang="it-IT" smtClean="0"/>
               <a:pPr rtl="0"/>
-              <a:t>10/03/2022</a:t>
+              <a:t>21/05/2022</a:t>
             </a:fld>
             <a:endParaRPr lang="it-IT" dirty="0"/>
           </a:p>
@@ -432,7 +432,7 @@
             <a:fld id="{1C92A385-5963-4977-9C86-CDE59C865B44}" type="datetime1">
               <a:rPr lang="it-IT" noProof="0" smtClean="0"/>
               <a:pPr/>
-              <a:t>10/03/2022</a:t>
+              <a:t>21/05/2022</a:t>
             </a:fld>
             <a:endParaRPr lang="it-IT" noProof="0" dirty="0"/>
           </a:p>
@@ -2984,7 +2984,7 @@
             <a:fld id="{F460967D-D4B9-4068-884F-8D2CEA8C87EE}" type="datetime1">
               <a:rPr lang="it-IT" noProof="0" smtClean="0"/>
               <a:pPr rtl="0"/>
-              <a:t>10/03/2022</a:t>
+              <a:t>21/05/2022</a:t>
             </a:fld>
             <a:endParaRPr lang="it-IT" noProof="0" dirty="0"/>
           </a:p>
@@ -3190,7 +3190,7 @@
             <a:fld id="{DB9C9243-4D56-40A1-98F4-818EEBB7C4FA}" type="datetime1">
               <a:rPr lang="it-IT" noProof="0" smtClean="0"/>
               <a:pPr rtl="0"/>
-              <a:t>10/03/2022</a:t>
+              <a:t>21/05/2022</a:t>
             </a:fld>
             <a:endParaRPr lang="it-IT" noProof="0" dirty="0"/>
           </a:p>
@@ -3406,7 +3406,7 @@
             <a:fld id="{1E16D244-7785-4484-8104-8E205376B43D}" type="datetime1">
               <a:rPr lang="it-IT" noProof="0" smtClean="0"/>
               <a:pPr rtl="0"/>
-              <a:t>10/03/2022</a:t>
+              <a:t>21/05/2022</a:t>
             </a:fld>
             <a:endParaRPr lang="it-IT" noProof="0" dirty="0"/>
           </a:p>
@@ -3612,7 +3612,7 @@
             <a:fld id="{C0E5D525-41A4-4789-BA32-40BB2D251F72}" type="datetime1">
               <a:rPr lang="it-IT" noProof="0" smtClean="0"/>
               <a:pPr rtl="0"/>
-              <a:t>10/03/2022</a:t>
+              <a:t>21/05/2022</a:t>
             </a:fld>
             <a:endParaRPr lang="it-IT" noProof="0" dirty="0"/>
           </a:p>
@@ -3894,7 +3894,7 @@
             <a:fld id="{322E70C1-4EAC-476C-A9BB-5A1984C0B060}" type="datetime1">
               <a:rPr lang="it-IT" noProof="0" smtClean="0"/>
               <a:pPr rtl="0"/>
-              <a:t>10/03/2022</a:t>
+              <a:t>21/05/2022</a:t>
             </a:fld>
             <a:endParaRPr lang="it-IT" noProof="0" dirty="0"/>
           </a:p>
@@ -4168,7 +4168,7 @@
             <a:fld id="{BD83CF96-417F-4482-8DCA-2452702AF724}" type="datetime1">
               <a:rPr lang="it-IT" noProof="0" smtClean="0"/>
               <a:pPr rtl="0"/>
-              <a:t>10/03/2022</a:t>
+              <a:t>21/05/2022</a:t>
             </a:fld>
             <a:endParaRPr lang="it-IT" noProof="0" dirty="0"/>
           </a:p>
@@ -4589,7 +4589,7 @@
             <a:fld id="{911AE6F1-7D46-4B7A-9562-B9D5F685B101}" type="datetime1">
               <a:rPr lang="it-IT" noProof="0" smtClean="0"/>
               <a:pPr rtl="0"/>
-              <a:t>10/03/2022</a:t>
+              <a:t>21/05/2022</a:t>
             </a:fld>
             <a:endParaRPr lang="it-IT" noProof="0" dirty="0"/>
           </a:p>
@@ -4737,7 +4737,7 @@
             <a:fld id="{946BA63C-B941-476A-88D4-E66C4A3D6602}" type="datetime1">
               <a:rPr lang="it-IT" noProof="0" smtClean="0"/>
               <a:pPr rtl="0"/>
-              <a:t>10/03/2022</a:t>
+              <a:t>21/05/2022</a:t>
             </a:fld>
             <a:endParaRPr lang="it-IT" noProof="0" dirty="0"/>
           </a:p>
@@ -4855,7 +4855,7 @@
             <a:fld id="{6177230D-8160-43DD-AD7F-BA41EEB02A18}" type="datetime1">
               <a:rPr lang="it-IT" noProof="0" smtClean="0"/>
               <a:pPr rtl="0"/>
-              <a:t>10/03/2022</a:t>
+              <a:t>21/05/2022</a:t>
             </a:fld>
             <a:endParaRPr lang="it-IT" noProof="0" dirty="0"/>
           </a:p>
@@ -5174,7 +5174,7 @@
             <a:fld id="{B42A45BA-5330-469D-8822-65CAE3C4DCFD}" type="datetime1">
               <a:rPr lang="it-IT" noProof="0" smtClean="0"/>
               <a:pPr rtl="0"/>
-              <a:t>10/03/2022</a:t>
+              <a:t>21/05/2022</a:t>
             </a:fld>
             <a:endParaRPr lang="it-IT" noProof="0" dirty="0"/>
           </a:p>
@@ -5474,7 +5474,7 @@
             <a:fld id="{395FEB1B-6331-491B-897B-E0B3280E361A}" type="datetime1">
               <a:rPr lang="it-IT" noProof="0" smtClean="0"/>
               <a:pPr rtl="0"/>
-              <a:t>10/03/2022</a:t>
+              <a:t>21/05/2022</a:t>
             </a:fld>
             <a:endParaRPr lang="it-IT" noProof="0" dirty="0"/>
           </a:p>
@@ -5721,7 +5721,7 @@
             <a:fld id="{49AAA3AB-E65D-4A29-86FE-48DC10EABEE7}" type="datetime1">
               <a:rPr lang="it-IT" noProof="0" smtClean="0"/>
               <a:pPr rtl="0"/>
-              <a:t>10/03/2022</a:t>
+              <a:t>21/05/2022</a:t>
             </a:fld>
             <a:endParaRPr lang="it-IT" noProof="0" dirty="0"/>
           </a:p>
@@ -29918,10 +29918,10 @@
       </p:sp>
       <p:pic>
         <p:nvPicPr>
-          <p:cNvPr id="13" name="Immagine 12">
+          <p:cNvPr id="5" name="Immagine 4">
             <a:extLst>
               <a:ext uri="{FF2B5EF4-FFF2-40B4-BE49-F238E27FC236}">
-                <a16:creationId xmlns:a16="http://schemas.microsoft.com/office/drawing/2014/main" id="{E8313E88-D434-49F4-A1E1-BFE0F22ECA75}"/>
+                <a16:creationId xmlns:a16="http://schemas.microsoft.com/office/drawing/2014/main" id="{E9501131-4FEB-62C8-2E21-F4A57CA1EE6E}"/>
               </a:ext>
             </a:extLst>
           </p:cNvPr>
@@ -29931,7 +29931,7 @@
           <p:nvPr/>
         </p:nvPicPr>
         <p:blipFill>
-          <a:blip r:embed="rId2" cstate="print">
+          <a:blip r:embed="rId2">
             <a:extLst>
               <a:ext uri="{28A0092B-C50C-407E-A947-70E740481C1C}">
                 <a14:useLocalDpi xmlns:a14="http://schemas.microsoft.com/office/drawing/2010/main" val="0"/>
@@ -29944,8 +29944,8 @@
         </p:blipFill>
         <p:spPr>
           <a:xfrm>
-            <a:off x="601990" y="1046922"/>
-            <a:ext cx="10556339" cy="4035551"/>
+            <a:off x="929383" y="549703"/>
+            <a:ext cx="10796452" cy="5844573"/>
           </a:xfrm>
           <a:prstGeom prst="rect">
             <a:avLst/>
@@ -30501,42 +30501,6 @@
           </p:txBody>
         </p:sp>
       </p:grpSp>
-      <p:pic>
-        <p:nvPicPr>
-          <p:cNvPr id="10" name="Immagine 9">
-            <a:extLst>
-              <a:ext uri="{FF2B5EF4-FFF2-40B4-BE49-F238E27FC236}">
-                <a16:creationId xmlns:a16="http://schemas.microsoft.com/office/drawing/2014/main" id="{6FF18FDD-3CB1-49C7-B094-9A4CBDEB02DA}"/>
-              </a:ext>
-            </a:extLst>
-          </p:cNvPr>
-          <p:cNvPicPr>
-            <a:picLocks noChangeAspect="1"/>
-          </p:cNvPicPr>
-          <p:nvPr/>
-        </p:nvPicPr>
-        <p:blipFill>
-          <a:blip r:embed="rId2" cstate="print">
-            <a:extLst>
-              <a:ext uri="{28A0092B-C50C-407E-A947-70E740481C1C}">
-                <a14:useLocalDpi xmlns:a14="http://schemas.microsoft.com/office/drawing/2010/main" val="0"/>
-              </a:ext>
-            </a:extLst>
-          </a:blip>
-          <a:stretch>
-            <a:fillRect/>
-          </a:stretch>
-        </p:blipFill>
-        <p:spPr>
-          <a:xfrm>
-            <a:off x="611255" y="781876"/>
-            <a:ext cx="10024563" cy="4812631"/>
-          </a:xfrm>
-          <a:prstGeom prst="rect">
-            <a:avLst/>
-          </a:prstGeom>
-        </p:spPr>
-      </p:pic>
       <p:sp>
         <p:nvSpPr>
           <p:cNvPr id="11" name="Casella di testo 56">
@@ -30579,6 +30543,77 @@
                 <a:cs typeface="Segoe UI" panose="020B0502040204020203" pitchFamily="34" charset="0"/>
               </a:rPr>
               <a:t>ESEMPIO RILEVAMENTO EMOZIONI</a:t>
+            </a:r>
+          </a:p>
+        </p:txBody>
+      </p:sp>
+      <p:pic>
+        <p:nvPicPr>
+          <p:cNvPr id="5" name="Immagine 4" descr="Immagine che contiene testo&#10;&#10;Descrizione generata automaticamente">
+            <a:extLst>
+              <a:ext uri="{FF2B5EF4-FFF2-40B4-BE49-F238E27FC236}">
+                <a16:creationId xmlns:a16="http://schemas.microsoft.com/office/drawing/2014/main" id="{33A31C72-A594-73ED-DE6D-816600F92F33}"/>
+              </a:ext>
+            </a:extLst>
+          </p:cNvPr>
+          <p:cNvPicPr>
+            <a:picLocks noChangeAspect="1"/>
+          </p:cNvPicPr>
+          <p:nvPr/>
+        </p:nvPicPr>
+        <p:blipFill>
+          <a:blip r:embed="rId2">
+            <a:extLst>
+              <a:ext uri="{28A0092B-C50C-407E-A947-70E740481C1C}">
+                <a14:useLocalDpi xmlns:a14="http://schemas.microsoft.com/office/drawing/2010/main" val="0"/>
+              </a:ext>
+            </a:extLst>
+          </a:blip>
+          <a:stretch>
+            <a:fillRect/>
+          </a:stretch>
+        </p:blipFill>
+        <p:spPr>
+          <a:xfrm>
+            <a:off x="800052" y="268493"/>
+            <a:ext cx="10201275" cy="6019800"/>
+          </a:xfrm>
+          <a:prstGeom prst="rect">
+            <a:avLst/>
+          </a:prstGeom>
+        </p:spPr>
+      </p:pic>
+      <p:sp>
+        <p:nvSpPr>
+          <p:cNvPr id="12" name="CasellaDiTesto 11">
+            <a:extLst>
+              <a:ext uri="{FF2B5EF4-FFF2-40B4-BE49-F238E27FC236}">
+                <a16:creationId xmlns:a16="http://schemas.microsoft.com/office/drawing/2014/main" id="{357D96FF-B428-F984-9D45-032EF49DA0A8}"/>
+              </a:ext>
+            </a:extLst>
+          </p:cNvPr>
+          <p:cNvSpPr txBox="1"/>
+          <p:nvPr/>
+        </p:nvSpPr>
+        <p:spPr>
+          <a:xfrm>
+            <a:off x="7942099" y="4026691"/>
+            <a:ext cx="2226833" cy="307777"/>
+          </a:xfrm>
+          <a:prstGeom prst="rect">
+            <a:avLst/>
+          </a:prstGeom>
+          <a:noFill/>
+        </p:spPr>
+        <p:txBody>
+          <a:bodyPr wrap="square" rtlCol="0">
+            <a:spAutoFit/>
+          </a:bodyPr>
+          <a:lstStyle/>
+          <a:p>
+            <a:r>
+              <a:rPr lang="it-IT" sz="1400" dirty="0"/>
+              <a:t>(Sviluppo futuro)</a:t>
             </a:r>
           </a:p>
         </p:txBody>
